--- a/ProjectProposal/OperationalEnvironmentDiagram/OpEnv.pptx
+++ b/ProjectProposal/OperationalEnvironmentDiagram/OpEnv.pptx
@@ -104,6 +104,11 @@
       </a:defRPr>
     </a:lvl9pPr>
   </p:defaultTextStyle>
+  <p:extLst>
+    <p:ext uri="{EFAFB233-063F-42B5-8137-9DF3F51BA10A}">
+      <p15:sldGuideLst xmlns:p15="http://schemas.microsoft.com/office/powerpoint/2012/main"/>
+    </p:ext>
+  </p:extLst>
 </p:presentation>
 </file>
 
@@ -254,7 +259,7 @@
           <a:p>
             <a:fld id="{63D46767-FDAF-4907-904D-6414FA8C7550}" type="datetimeFigureOut">
               <a:rPr lang="en-US" smtClean="0"/>
-              <a:t>9/10/2020</a:t>
+              <a:t>9/11/2020</a:t>
             </a:fld>
             <a:endParaRPr lang="en-US"/>
           </a:p>
@@ -452,7 +457,7 @@
           <a:p>
             <a:fld id="{63D46767-FDAF-4907-904D-6414FA8C7550}" type="datetimeFigureOut">
               <a:rPr lang="en-US" smtClean="0"/>
-              <a:t>9/10/2020</a:t>
+              <a:t>9/11/2020</a:t>
             </a:fld>
             <a:endParaRPr lang="en-US"/>
           </a:p>
@@ -660,7 +665,7 @@
           <a:p>
             <a:fld id="{63D46767-FDAF-4907-904D-6414FA8C7550}" type="datetimeFigureOut">
               <a:rPr lang="en-US" smtClean="0"/>
-              <a:t>9/10/2020</a:t>
+              <a:t>9/11/2020</a:t>
             </a:fld>
             <a:endParaRPr lang="en-US"/>
           </a:p>
@@ -858,7 +863,7 @@
           <a:p>
             <a:fld id="{63D46767-FDAF-4907-904D-6414FA8C7550}" type="datetimeFigureOut">
               <a:rPr lang="en-US" smtClean="0"/>
-              <a:t>9/10/2020</a:t>
+              <a:t>9/11/2020</a:t>
             </a:fld>
             <a:endParaRPr lang="en-US"/>
           </a:p>
@@ -1133,7 +1138,7 @@
           <a:p>
             <a:fld id="{63D46767-FDAF-4907-904D-6414FA8C7550}" type="datetimeFigureOut">
               <a:rPr lang="en-US" smtClean="0"/>
-              <a:t>9/10/2020</a:t>
+              <a:t>9/11/2020</a:t>
             </a:fld>
             <a:endParaRPr lang="en-US"/>
           </a:p>
@@ -1398,7 +1403,7 @@
           <a:p>
             <a:fld id="{63D46767-FDAF-4907-904D-6414FA8C7550}" type="datetimeFigureOut">
               <a:rPr lang="en-US" smtClean="0"/>
-              <a:t>9/10/2020</a:t>
+              <a:t>9/11/2020</a:t>
             </a:fld>
             <a:endParaRPr lang="en-US"/>
           </a:p>
@@ -1810,7 +1815,7 @@
           <a:p>
             <a:fld id="{63D46767-FDAF-4907-904D-6414FA8C7550}" type="datetimeFigureOut">
               <a:rPr lang="en-US" smtClean="0"/>
-              <a:t>9/10/2020</a:t>
+              <a:t>9/11/2020</a:t>
             </a:fld>
             <a:endParaRPr lang="en-US"/>
           </a:p>
@@ -1951,7 +1956,7 @@
           <a:p>
             <a:fld id="{63D46767-FDAF-4907-904D-6414FA8C7550}" type="datetimeFigureOut">
               <a:rPr lang="en-US" smtClean="0"/>
-              <a:t>9/10/2020</a:t>
+              <a:t>9/11/2020</a:t>
             </a:fld>
             <a:endParaRPr lang="en-US"/>
           </a:p>
@@ -2064,7 +2069,7 @@
           <a:p>
             <a:fld id="{63D46767-FDAF-4907-904D-6414FA8C7550}" type="datetimeFigureOut">
               <a:rPr lang="en-US" smtClean="0"/>
-              <a:t>9/10/2020</a:t>
+              <a:t>9/11/2020</a:t>
             </a:fld>
             <a:endParaRPr lang="en-US"/>
           </a:p>
@@ -2375,7 +2380,7 @@
           <a:p>
             <a:fld id="{63D46767-FDAF-4907-904D-6414FA8C7550}" type="datetimeFigureOut">
               <a:rPr lang="en-US" smtClean="0"/>
-              <a:t>9/10/2020</a:t>
+              <a:t>9/11/2020</a:t>
             </a:fld>
             <a:endParaRPr lang="en-US"/>
           </a:p>
@@ -2663,7 +2668,7 @@
           <a:p>
             <a:fld id="{63D46767-FDAF-4907-904D-6414FA8C7550}" type="datetimeFigureOut">
               <a:rPr lang="en-US" smtClean="0"/>
-              <a:t>9/10/2020</a:t>
+              <a:t>9/11/2020</a:t>
             </a:fld>
             <a:endParaRPr lang="en-US"/>
           </a:p>
@@ -2904,7 +2909,7 @@
           <a:p>
             <a:fld id="{63D46767-FDAF-4907-904D-6414FA8C7550}" type="datetimeFigureOut">
               <a:rPr lang="en-US" smtClean="0"/>
-              <a:t>9/10/2020</a:t>
+              <a:t>9/11/2020</a:t>
             </a:fld>
             <a:endParaRPr lang="en-US"/>
           </a:p>
@@ -3335,7 +3340,7 @@
         </p:nvSpPr>
         <p:spPr>
           <a:xfrm>
-            <a:off x="4836288" y="1917122"/>
+            <a:off x="4836288" y="1574222"/>
             <a:ext cx="2519423" cy="2171916"/>
           </a:xfrm>
           <a:prstGeom prst="triangle">
@@ -3487,7 +3492,7 @@
         </p:nvSpPr>
         <p:spPr>
           <a:xfrm>
-            <a:off x="5660992" y="3326543"/>
+            <a:off x="5559702" y="3177694"/>
             <a:ext cx="290004" cy="290004"/>
           </a:xfrm>
           <a:prstGeom prst="ellipse">
@@ -3535,7 +3540,7 @@
         </p:nvSpPr>
         <p:spPr>
           <a:xfrm>
-            <a:off x="5950996" y="3000121"/>
+            <a:off x="5950996" y="2657221"/>
             <a:ext cx="290004" cy="290004"/>
           </a:xfrm>
           <a:prstGeom prst="ellipse">
@@ -3583,7 +3588,7 @@
         </p:nvSpPr>
         <p:spPr>
           <a:xfrm>
-            <a:off x="6241000" y="3329126"/>
+            <a:off x="6342296" y="3177694"/>
             <a:ext cx="290004" cy="290004"/>
           </a:xfrm>
           <a:prstGeom prst="ellipse">
@@ -3631,8 +3636,8 @@
         </p:nvSpPr>
         <p:spPr>
           <a:xfrm>
-            <a:off x="5394299" y="1607905"/>
-            <a:ext cx="1403398" cy="369332"/>
+            <a:off x="5040162" y="1257448"/>
+            <a:ext cx="2111668" cy="369332"/>
           </a:xfrm>
           <a:prstGeom prst="rect">
             <a:avLst/>
@@ -3649,7 +3654,10 @@
               <a:rPr lang="en-US" dirty="0" err="1"/>
               <a:t>ElasticSearch</a:t>
             </a:r>
-            <a:endParaRPr lang="en-US" dirty="0"/>
+            <a:r>
+              <a:rPr lang="en-US" dirty="0"/>
+              <a:t> Cluster</a:t>
+            </a:r>
           </a:p>
         </p:txBody>
       </p:sp>
@@ -3667,7 +3675,7 @@
         </p:nvSpPr>
         <p:spPr>
           <a:xfrm>
-            <a:off x="5704704" y="2678071"/>
+            <a:off x="5704704" y="2335171"/>
             <a:ext cx="782587" cy="369332"/>
           </a:xfrm>
           <a:prstGeom prst="rect">
@@ -3702,8 +3710,8 @@
         </p:nvSpPr>
         <p:spPr>
           <a:xfrm>
-            <a:off x="5714933" y="4776972"/>
-            <a:ext cx="772358" cy="772358"/>
+            <a:off x="5469934" y="4291102"/>
+            <a:ext cx="1247300" cy="1247300"/>
           </a:xfrm>
           <a:prstGeom prst="ellipse">
             <a:avLst/>
@@ -3746,15 +3754,16 @@
             </a:extLst>
           </p:cNvPr>
           <p:cNvCxnSpPr>
+            <a:cxnSpLocks/>
             <a:stCxn id="6" idx="3"/>
             <a:endCxn id="21" idx="0"/>
           </p:cNvCxnSpPr>
           <p:nvPr/>
         </p:nvCxnSpPr>
         <p:spPr>
-          <a:xfrm>
-            <a:off x="6096000" y="4089038"/>
-            <a:ext cx="5112" cy="687934"/>
+          <a:xfrm flipH="1">
+            <a:off x="6093584" y="3746138"/>
+            <a:ext cx="2416" cy="544964"/>
           </a:xfrm>
           <a:prstGeom prst="straightConnector1">
             <a:avLst/>
@@ -3793,8 +3802,8 @@
         </p:nvSpPr>
         <p:spPr>
           <a:xfrm>
-            <a:off x="4923656" y="5496772"/>
-            <a:ext cx="2344681" cy="369332"/>
+            <a:off x="5469934" y="4509932"/>
+            <a:ext cx="1252124" cy="646331"/>
           </a:xfrm>
           <a:prstGeom prst="rect">
             <a:avLst/>
@@ -3802,18 +3811,531 @@
           <a:noFill/>
         </p:spPr>
         <p:txBody>
-          <a:bodyPr wrap="none" rtlCol="0">
+          <a:bodyPr wrap="square" rtlCol="0">
             <a:spAutoFit/>
           </a:bodyPr>
           <a:lstStyle/>
           <a:p>
+            <a:pPr algn="ctr"/>
             <a:r>
               <a:rPr lang="en-US" dirty="0"/>
-              <a:t>Consuming Application</a:t>
-            </a:r>
-          </a:p>
-        </p:txBody>
-      </p:sp>
+              <a:t>Web Application</a:t>
+            </a:r>
+          </a:p>
+        </p:txBody>
+      </p:sp>
+      <p:cxnSp>
+        <p:nvCxnSpPr>
+          <p:cNvPr id="4" name="Straight Arrow Connector 3">
+            <a:extLst>
+              <a:ext uri="{FF2B5EF4-FFF2-40B4-BE49-F238E27FC236}">
+                <a16:creationId xmlns:a16="http://schemas.microsoft.com/office/drawing/2014/main" id="{2D3A7286-AB71-46EE-AABF-229661CC1BBC}"/>
+              </a:ext>
+            </a:extLst>
+          </p:cNvPr>
+          <p:cNvCxnSpPr>
+            <a:stCxn id="16" idx="3"/>
+            <a:endCxn id="14" idx="7"/>
+          </p:cNvCxnSpPr>
+          <p:nvPr/>
+        </p:nvCxnSpPr>
+        <p:spPr>
+          <a:xfrm flipH="1">
+            <a:off x="5807236" y="2904755"/>
+            <a:ext cx="186230" cy="315409"/>
+          </a:xfrm>
+          <a:prstGeom prst="straightConnector1">
+            <a:avLst/>
+          </a:prstGeom>
+          <a:ln>
+            <a:headEnd type="triangle"/>
+            <a:tailEnd type="triangle"/>
+          </a:ln>
+        </p:spPr>
+        <p:style>
+          <a:lnRef idx="1">
+            <a:schemeClr val="accent1"/>
+          </a:lnRef>
+          <a:fillRef idx="0">
+            <a:schemeClr val="accent1"/>
+          </a:fillRef>
+          <a:effectRef idx="0">
+            <a:schemeClr val="accent1"/>
+          </a:effectRef>
+          <a:fontRef idx="minor">
+            <a:schemeClr val="tx1"/>
+          </a:fontRef>
+        </p:style>
+      </p:cxnSp>
+      <p:cxnSp>
+        <p:nvCxnSpPr>
+          <p:cNvPr id="7" name="Straight Arrow Connector 6">
+            <a:extLst>
+              <a:ext uri="{FF2B5EF4-FFF2-40B4-BE49-F238E27FC236}">
+                <a16:creationId xmlns:a16="http://schemas.microsoft.com/office/drawing/2014/main" id="{F4835783-DB04-403A-A122-0F7740CE0BE2}"/>
+              </a:ext>
+            </a:extLst>
+          </p:cNvPr>
+          <p:cNvCxnSpPr>
+            <a:stCxn id="14" idx="6"/>
+            <a:endCxn id="18" idx="2"/>
+          </p:cNvCxnSpPr>
+          <p:nvPr/>
+        </p:nvCxnSpPr>
+        <p:spPr>
+          <a:xfrm>
+            <a:off x="5849706" y="3322696"/>
+            <a:ext cx="492590" cy="0"/>
+          </a:xfrm>
+          <a:prstGeom prst="straightConnector1">
+            <a:avLst/>
+          </a:prstGeom>
+          <a:ln>
+            <a:headEnd type="triangle"/>
+            <a:tailEnd type="triangle"/>
+          </a:ln>
+        </p:spPr>
+        <p:style>
+          <a:lnRef idx="1">
+            <a:schemeClr val="accent1"/>
+          </a:lnRef>
+          <a:fillRef idx="0">
+            <a:schemeClr val="accent1"/>
+          </a:fillRef>
+          <a:effectRef idx="0">
+            <a:schemeClr val="accent1"/>
+          </a:effectRef>
+          <a:fontRef idx="minor">
+            <a:schemeClr val="tx1"/>
+          </a:fontRef>
+        </p:style>
+      </p:cxnSp>
+      <p:cxnSp>
+        <p:nvCxnSpPr>
+          <p:cNvPr id="11" name="Straight Arrow Connector 10">
+            <a:extLst>
+              <a:ext uri="{FF2B5EF4-FFF2-40B4-BE49-F238E27FC236}">
+                <a16:creationId xmlns:a16="http://schemas.microsoft.com/office/drawing/2014/main" id="{730B3CAE-61F6-43AD-B198-6525A2231F96}"/>
+              </a:ext>
+            </a:extLst>
+          </p:cNvPr>
+          <p:cNvCxnSpPr>
+            <a:stCxn id="16" idx="5"/>
+            <a:endCxn id="18" idx="1"/>
+          </p:cNvCxnSpPr>
+          <p:nvPr/>
+        </p:nvCxnSpPr>
+        <p:spPr>
+          <a:xfrm>
+            <a:off x="6198530" y="2904755"/>
+            <a:ext cx="186236" cy="315409"/>
+          </a:xfrm>
+          <a:prstGeom prst="straightConnector1">
+            <a:avLst/>
+          </a:prstGeom>
+          <a:ln>
+            <a:headEnd type="triangle"/>
+            <a:tailEnd type="triangle"/>
+          </a:ln>
+        </p:spPr>
+        <p:style>
+          <a:lnRef idx="1">
+            <a:schemeClr val="accent1"/>
+          </a:lnRef>
+          <a:fillRef idx="0">
+            <a:schemeClr val="accent1"/>
+          </a:fillRef>
+          <a:effectRef idx="0">
+            <a:schemeClr val="accent1"/>
+          </a:effectRef>
+          <a:fontRef idx="minor">
+            <a:schemeClr val="tx1"/>
+          </a:fontRef>
+        </p:style>
+      </p:cxnSp>
+      <p:grpSp>
+        <p:nvGrpSpPr>
+          <p:cNvPr id="17" name="Group 16">
+            <a:extLst>
+              <a:ext uri="{FF2B5EF4-FFF2-40B4-BE49-F238E27FC236}">
+                <a16:creationId xmlns:a16="http://schemas.microsoft.com/office/drawing/2014/main" id="{7D786EE7-9000-40B2-9F6F-8B22B07F739F}"/>
+              </a:ext>
+            </a:extLst>
+          </p:cNvPr>
+          <p:cNvGrpSpPr/>
+          <p:nvPr/>
+        </p:nvGrpSpPr>
+        <p:grpSpPr>
+          <a:xfrm>
+            <a:off x="691867" y="2047621"/>
+            <a:ext cx="1219200" cy="1219200"/>
+            <a:chOff x="669712" y="2719526"/>
+            <a:chExt cx="1219200" cy="1219200"/>
+          </a:xfrm>
+        </p:grpSpPr>
+        <p:sp>
+          <p:nvSpPr>
+            <p:cNvPr id="12" name="Oval 11">
+              <a:extLst>
+                <a:ext uri="{FF2B5EF4-FFF2-40B4-BE49-F238E27FC236}">
+                  <a16:creationId xmlns:a16="http://schemas.microsoft.com/office/drawing/2014/main" id="{8459E9B9-4511-422B-9114-FA2CDCE5644B}"/>
+                </a:ext>
+              </a:extLst>
+            </p:cNvPr>
+            <p:cNvSpPr/>
+            <p:nvPr/>
+          </p:nvSpPr>
+          <p:spPr>
+            <a:xfrm>
+              <a:off x="669712" y="2719526"/>
+              <a:ext cx="1219200" cy="1219200"/>
+            </a:xfrm>
+            <a:prstGeom prst="ellipse">
+              <a:avLst/>
+            </a:prstGeom>
+            <a:noFill/>
+            <a:ln w="19050"/>
+          </p:spPr>
+          <p:style>
+            <a:lnRef idx="2">
+              <a:schemeClr val="accent1">
+                <a:shade val="50000"/>
+              </a:schemeClr>
+            </a:lnRef>
+            <a:fillRef idx="1">
+              <a:schemeClr val="accent1"/>
+            </a:fillRef>
+            <a:effectRef idx="0">
+              <a:schemeClr val="accent1"/>
+            </a:effectRef>
+            <a:fontRef idx="minor">
+              <a:schemeClr val="lt1"/>
+            </a:fontRef>
+          </p:style>
+          <p:txBody>
+            <a:bodyPr rtlCol="0" anchor="ctr"/>
+            <a:lstStyle/>
+            <a:p>
+              <a:pPr algn="ctr"/>
+              <a:endParaRPr lang="en-US" dirty="0"/>
+            </a:p>
+          </p:txBody>
+        </p:sp>
+        <p:sp>
+          <p:nvSpPr>
+            <p:cNvPr id="15" name="TextBox 14">
+              <a:extLst>
+                <a:ext uri="{FF2B5EF4-FFF2-40B4-BE49-F238E27FC236}">
+                  <a16:creationId xmlns:a16="http://schemas.microsoft.com/office/drawing/2014/main" id="{18EAC6B6-BBFB-4779-B47C-5B88DFDEF676}"/>
+                </a:ext>
+              </a:extLst>
+            </p:cNvPr>
+            <p:cNvSpPr txBox="1"/>
+            <p:nvPr/>
+          </p:nvSpPr>
+          <p:spPr>
+            <a:xfrm>
+              <a:off x="763350" y="3019265"/>
+              <a:ext cx="1097422" cy="646331"/>
+            </a:xfrm>
+            <a:prstGeom prst="rect">
+              <a:avLst/>
+            </a:prstGeom>
+            <a:noFill/>
+          </p:spPr>
+          <p:txBody>
+            <a:bodyPr wrap="square" rtlCol="0">
+              <a:spAutoFit/>
+            </a:bodyPr>
+            <a:lstStyle/>
+            <a:p>
+              <a:r>
+                <a:rPr lang="en-US" dirty="0"/>
+                <a:t>IDE/Code Compiler</a:t>
+              </a:r>
+            </a:p>
+          </p:txBody>
+        </p:sp>
+      </p:grpSp>
+      <p:cxnSp>
+        <p:nvCxnSpPr>
+          <p:cNvPr id="29" name="Straight Arrow Connector 28">
+            <a:extLst>
+              <a:ext uri="{FF2B5EF4-FFF2-40B4-BE49-F238E27FC236}">
+                <a16:creationId xmlns:a16="http://schemas.microsoft.com/office/drawing/2014/main" id="{B5401ADB-B462-4568-85E2-A13867E51156}"/>
+              </a:ext>
+            </a:extLst>
+          </p:cNvPr>
+          <p:cNvCxnSpPr>
+            <a:stCxn id="12" idx="6"/>
+            <a:endCxn id="21" idx="2"/>
+          </p:cNvCxnSpPr>
+          <p:nvPr/>
+        </p:nvCxnSpPr>
+        <p:spPr>
+          <a:xfrm>
+            <a:off x="1911067" y="2657221"/>
+            <a:ext cx="3558867" cy="2257531"/>
+          </a:xfrm>
+          <a:prstGeom prst="straightConnector1">
+            <a:avLst/>
+          </a:prstGeom>
+          <a:ln>
+            <a:headEnd type="triangle"/>
+            <a:tailEnd type="triangle"/>
+          </a:ln>
+        </p:spPr>
+        <p:style>
+          <a:lnRef idx="1">
+            <a:schemeClr val="accent1"/>
+          </a:lnRef>
+          <a:fillRef idx="0">
+            <a:schemeClr val="accent1"/>
+          </a:fillRef>
+          <a:effectRef idx="0">
+            <a:schemeClr val="accent1"/>
+          </a:effectRef>
+          <a:fontRef idx="minor">
+            <a:schemeClr val="tx1"/>
+          </a:fontRef>
+        </p:style>
+      </p:cxnSp>
+      <p:cxnSp>
+        <p:nvCxnSpPr>
+          <p:cNvPr id="32" name="Straight Arrow Connector 31">
+            <a:extLst>
+              <a:ext uri="{FF2B5EF4-FFF2-40B4-BE49-F238E27FC236}">
+                <a16:creationId xmlns:a16="http://schemas.microsoft.com/office/drawing/2014/main" id="{692F1C6C-2FD3-44F6-B413-AF95C1CE1B40}"/>
+              </a:ext>
+            </a:extLst>
+          </p:cNvPr>
+          <p:cNvCxnSpPr>
+            <a:cxnSpLocks/>
+            <a:stCxn id="12" idx="6"/>
+            <a:endCxn id="6" idx="1"/>
+          </p:cNvCxnSpPr>
+          <p:nvPr/>
+        </p:nvCxnSpPr>
+        <p:spPr>
+          <a:xfrm>
+            <a:off x="1911067" y="2657221"/>
+            <a:ext cx="3555077" cy="2959"/>
+          </a:xfrm>
+          <a:prstGeom prst="straightConnector1">
+            <a:avLst/>
+          </a:prstGeom>
+          <a:ln>
+            <a:headEnd type="triangle"/>
+            <a:tailEnd type="triangle"/>
+          </a:ln>
+        </p:spPr>
+        <p:style>
+          <a:lnRef idx="1">
+            <a:schemeClr val="accent1"/>
+          </a:lnRef>
+          <a:fillRef idx="0">
+            <a:schemeClr val="accent1"/>
+          </a:fillRef>
+          <a:effectRef idx="0">
+            <a:schemeClr val="accent1"/>
+          </a:effectRef>
+          <a:fontRef idx="minor">
+            <a:schemeClr val="tx1"/>
+          </a:fontRef>
+        </p:style>
+      </p:cxnSp>
+      <p:grpSp>
+        <p:nvGrpSpPr>
+          <p:cNvPr id="34" name="Group 33">
+            <a:extLst>
+              <a:ext uri="{FF2B5EF4-FFF2-40B4-BE49-F238E27FC236}">
+                <a16:creationId xmlns:a16="http://schemas.microsoft.com/office/drawing/2014/main" id="{F1BBF1AA-807D-42D9-B6A1-8E778472770C}"/>
+              </a:ext>
+            </a:extLst>
+          </p:cNvPr>
+          <p:cNvGrpSpPr/>
+          <p:nvPr/>
+        </p:nvGrpSpPr>
+        <p:grpSpPr>
+          <a:xfrm>
+            <a:off x="724616" y="4305142"/>
+            <a:ext cx="1219200" cy="1219200"/>
+            <a:chOff x="669712" y="2719526"/>
+            <a:chExt cx="1219200" cy="1219200"/>
+          </a:xfrm>
+        </p:grpSpPr>
+        <p:sp>
+          <p:nvSpPr>
+            <p:cNvPr id="35" name="Oval 34">
+              <a:extLst>
+                <a:ext uri="{FF2B5EF4-FFF2-40B4-BE49-F238E27FC236}">
+                  <a16:creationId xmlns:a16="http://schemas.microsoft.com/office/drawing/2014/main" id="{C1AE8C33-ABE2-4866-A1BD-E277436BF858}"/>
+                </a:ext>
+              </a:extLst>
+            </p:cNvPr>
+            <p:cNvSpPr/>
+            <p:nvPr/>
+          </p:nvSpPr>
+          <p:spPr>
+            <a:xfrm>
+              <a:off x="669712" y="2719526"/>
+              <a:ext cx="1219200" cy="1219200"/>
+            </a:xfrm>
+            <a:prstGeom prst="ellipse">
+              <a:avLst/>
+            </a:prstGeom>
+            <a:noFill/>
+            <a:ln w="19050"/>
+          </p:spPr>
+          <p:style>
+            <a:lnRef idx="2">
+              <a:schemeClr val="accent1">
+                <a:shade val="50000"/>
+              </a:schemeClr>
+            </a:lnRef>
+            <a:fillRef idx="1">
+              <a:schemeClr val="accent1"/>
+            </a:fillRef>
+            <a:effectRef idx="0">
+              <a:schemeClr val="accent1"/>
+            </a:effectRef>
+            <a:fontRef idx="minor">
+              <a:schemeClr val="lt1"/>
+            </a:fontRef>
+          </p:style>
+          <p:txBody>
+            <a:bodyPr rtlCol="0" anchor="ctr"/>
+            <a:lstStyle/>
+            <a:p>
+              <a:pPr algn="ctr"/>
+              <a:endParaRPr lang="en-US" dirty="0"/>
+            </a:p>
+          </p:txBody>
+        </p:sp>
+        <p:sp>
+          <p:nvSpPr>
+            <p:cNvPr id="36" name="TextBox 35">
+              <a:extLst>
+                <a:ext uri="{FF2B5EF4-FFF2-40B4-BE49-F238E27FC236}">
+                  <a16:creationId xmlns:a16="http://schemas.microsoft.com/office/drawing/2014/main" id="{77480A8A-FDD2-4512-9900-B123BE7B5E76}"/>
+                </a:ext>
+              </a:extLst>
+            </p:cNvPr>
+            <p:cNvSpPr txBox="1"/>
+            <p:nvPr/>
+          </p:nvSpPr>
+          <p:spPr>
+            <a:xfrm>
+              <a:off x="730601" y="2922853"/>
+              <a:ext cx="1097422" cy="830997"/>
+            </a:xfrm>
+            <a:prstGeom prst="rect">
+              <a:avLst/>
+            </a:prstGeom>
+            <a:noFill/>
+          </p:spPr>
+          <p:txBody>
+            <a:bodyPr wrap="square" rtlCol="0">
+              <a:spAutoFit/>
+            </a:bodyPr>
+            <a:lstStyle/>
+            <a:p>
+              <a:pPr algn="ctr"/>
+              <a:r>
+                <a:rPr lang="en-US" sz="1600" dirty="0"/>
+                <a:t>Unit and Integration Tests</a:t>
+              </a:r>
+            </a:p>
+          </p:txBody>
+        </p:sp>
+      </p:grpSp>
+      <p:cxnSp>
+        <p:nvCxnSpPr>
+          <p:cNvPr id="38" name="Straight Arrow Connector 37">
+            <a:extLst>
+              <a:ext uri="{FF2B5EF4-FFF2-40B4-BE49-F238E27FC236}">
+                <a16:creationId xmlns:a16="http://schemas.microsoft.com/office/drawing/2014/main" id="{DD2D7C4A-8879-414C-A4BF-18E7A43E7497}"/>
+              </a:ext>
+            </a:extLst>
+          </p:cNvPr>
+          <p:cNvCxnSpPr>
+            <a:stCxn id="35" idx="6"/>
+            <a:endCxn id="6" idx="1"/>
+          </p:cNvCxnSpPr>
+          <p:nvPr/>
+        </p:nvCxnSpPr>
+        <p:spPr>
+          <a:xfrm flipV="1">
+            <a:off x="1943816" y="2660180"/>
+            <a:ext cx="3522328" cy="2254562"/>
+          </a:xfrm>
+          <a:prstGeom prst="straightConnector1">
+            <a:avLst/>
+          </a:prstGeom>
+          <a:ln>
+            <a:headEnd type="triangle"/>
+            <a:tailEnd type="triangle"/>
+          </a:ln>
+        </p:spPr>
+        <p:style>
+          <a:lnRef idx="1">
+            <a:schemeClr val="accent1"/>
+          </a:lnRef>
+          <a:fillRef idx="0">
+            <a:schemeClr val="accent1"/>
+          </a:fillRef>
+          <a:effectRef idx="0">
+            <a:schemeClr val="accent1"/>
+          </a:effectRef>
+          <a:fontRef idx="minor">
+            <a:schemeClr val="tx1"/>
+          </a:fontRef>
+        </p:style>
+      </p:cxnSp>
+      <p:cxnSp>
+        <p:nvCxnSpPr>
+          <p:cNvPr id="40" name="Straight Arrow Connector 39">
+            <a:extLst>
+              <a:ext uri="{FF2B5EF4-FFF2-40B4-BE49-F238E27FC236}">
+                <a16:creationId xmlns:a16="http://schemas.microsoft.com/office/drawing/2014/main" id="{4833B582-86A3-42C4-9AB1-A8F382196E91}"/>
+              </a:ext>
+            </a:extLst>
+          </p:cNvPr>
+          <p:cNvCxnSpPr>
+            <a:cxnSpLocks/>
+            <a:stCxn id="35" idx="6"/>
+            <a:endCxn id="21" idx="2"/>
+          </p:cNvCxnSpPr>
+          <p:nvPr/>
+        </p:nvCxnSpPr>
+        <p:spPr>
+          <a:xfrm>
+            <a:off x="1943816" y="4914742"/>
+            <a:ext cx="3526118" cy="10"/>
+          </a:xfrm>
+          <a:prstGeom prst="straightConnector1">
+            <a:avLst/>
+          </a:prstGeom>
+          <a:ln>
+            <a:headEnd type="triangle"/>
+            <a:tailEnd type="triangle"/>
+          </a:ln>
+        </p:spPr>
+        <p:style>
+          <a:lnRef idx="1">
+            <a:schemeClr val="accent1"/>
+          </a:lnRef>
+          <a:fillRef idx="0">
+            <a:schemeClr val="accent1"/>
+          </a:fillRef>
+          <a:effectRef idx="0">
+            <a:schemeClr val="accent1"/>
+          </a:effectRef>
+          <a:fontRef idx="minor">
+            <a:schemeClr val="tx1"/>
+          </a:fontRef>
+        </p:style>
+      </p:cxnSp>
     </p:spTree>
     <p:extLst>
       <p:ext uri="{BB962C8B-B14F-4D97-AF65-F5344CB8AC3E}">
